--- a/experiments/cluster-size/cluster-size.pptx
+++ b/experiments/cluster-size/cluster-size.pptx
@@ -725,11 +725,11 @@
           </c:spPr>
         </c:dropLines>
         <c:smooth val="0"/>
-        <c:axId val="-1985073968"/>
-        <c:axId val="-1985119536"/>
+        <c:axId val="-1971269200"/>
+        <c:axId val="-1971262912"/>
       </c:lineChart>
       <c:catAx>
-        <c:axId val="-1985073968"/>
+        <c:axId val="-1971269200"/>
         <c:scaling>
           <c:orientation val="minMax"/>
         </c:scaling>
@@ -845,7 +845,7 @@
             <a:endParaRPr lang="en-US"/>
           </a:p>
         </c:txPr>
-        <c:crossAx val="-1985119536"/>
+        <c:crossAx val="-1971262912"/>
         <c:crosses val="autoZero"/>
         <c:auto val="1"/>
         <c:lblAlgn val="ctr"/>
@@ -853,7 +853,7 @@
         <c:noMultiLvlLbl val="0"/>
       </c:catAx>
       <c:valAx>
-        <c:axId val="-1985119536"/>
+        <c:axId val="-1971262912"/>
         <c:scaling>
           <c:orientation val="minMax"/>
         </c:scaling>
@@ -890,7 +890,7 @@
                   </a:defRPr>
                 </a:pPr>
                 <a:r>
-                  <a:rPr lang="en-US" sz="1100">
+                  <a:rPr lang="en-US" sz="1100" smtClean="0">
                     <a:solidFill>
                       <a:schemeClr val="tx1"/>
                     </a:solidFill>
@@ -898,8 +898,38 @@
                     <a:ea typeface="Times New Roman" charset="0"/>
                     <a:cs typeface="Times New Roman" charset="0"/>
                   </a:rPr>
-                  <a:t>Miniumum Cluster Members</a:t>
+                  <a:t>Minimum </a:t>
                 </a:r>
+                <a:r>
+                  <a:rPr lang="en-US" sz="1100" dirty="0">
+                    <a:solidFill>
+                      <a:schemeClr val="tx1"/>
+                    </a:solidFill>
+                    <a:latin typeface="Times New Roman" charset="0"/>
+                    <a:ea typeface="Times New Roman" charset="0"/>
+                    <a:cs typeface="Times New Roman" charset="0"/>
+                  </a:rPr>
+                  <a:t>Cluster </a:t>
+                </a:r>
+                <a:r>
+                  <a:rPr lang="en-US" sz="1100" dirty="0" smtClean="0">
+                    <a:solidFill>
+                      <a:schemeClr val="tx1"/>
+                    </a:solidFill>
+                    <a:latin typeface="Times New Roman" charset="0"/>
+                    <a:ea typeface="Times New Roman" charset="0"/>
+                    <a:cs typeface="Times New Roman" charset="0"/>
+                  </a:rPr>
+                  <a:t>Size</a:t>
+                </a:r>
+                <a:endParaRPr lang="en-US" sz="1100" dirty="0">
+                  <a:solidFill>
+                    <a:schemeClr val="tx1"/>
+                  </a:solidFill>
+                  <a:latin typeface="Times New Roman" charset="0"/>
+                  <a:ea typeface="Times New Roman" charset="0"/>
+                  <a:cs typeface="Times New Roman" charset="0"/>
+                </a:endParaRPr>
               </a:p>
             </c:rich>
           </c:tx>
@@ -961,7 +991,7 @@
             <a:endParaRPr lang="en-US"/>
           </a:p>
         </c:txPr>
-        <c:crossAx val="-1985073968"/>
+        <c:crossAx val="-1971269200"/>
         <c:crosses val="autoZero"/>
         <c:crossBetween val="between"/>
       </c:valAx>
@@ -4520,7 +4550,7 @@
           <p:nvPr>
             <p:extLst>
               <p:ext uri="{D42A27DB-BD31-4B8C-83A1-F6EECF244321}">
-                <p14:modId xmlns:p14="http://schemas.microsoft.com/office/powerpoint/2010/main" val="470591100"/>
+                <p14:modId xmlns:p14="http://schemas.microsoft.com/office/powerpoint/2010/main" val="445080308"/>
               </p:ext>
             </p:extLst>
           </p:nvPr>
